--- a/W3C WoT Security Testing Plan.pptx
+++ b/W3C WoT Security Testing Plan.pptx
@@ -7,16 +7,17 @@
   <p:sldIdLst>
     <p:sldId id="256" r:id="rId2"/>
     <p:sldId id="257" r:id="rId3"/>
-    <p:sldId id="260" r:id="rId4"/>
-    <p:sldId id="261" r:id="rId5"/>
-    <p:sldId id="262" r:id="rId6"/>
-    <p:sldId id="263" r:id="rId7"/>
-    <p:sldId id="264" r:id="rId8"/>
-    <p:sldId id="265" r:id="rId9"/>
-    <p:sldId id="266" r:id="rId10"/>
-    <p:sldId id="258" r:id="rId11"/>
-    <p:sldId id="259" r:id="rId12"/>
-    <p:sldId id="267" r:id="rId13"/>
+    <p:sldId id="268" r:id="rId4"/>
+    <p:sldId id="260" r:id="rId5"/>
+    <p:sldId id="261" r:id="rId6"/>
+    <p:sldId id="262" r:id="rId7"/>
+    <p:sldId id="263" r:id="rId8"/>
+    <p:sldId id="264" r:id="rId9"/>
+    <p:sldId id="265" r:id="rId10"/>
+    <p:sldId id="266" r:id="rId11"/>
+    <p:sldId id="258" r:id="rId12"/>
+    <p:sldId id="259" r:id="rId13"/>
+    <p:sldId id="267" r:id="rId14"/>
   </p:sldIdLst>
   <p:sldSz cx="12192000" cy="6858000"/>
   <p:notesSz cx="6858000" cy="9144000"/>
@@ -115,6 +116,11 @@
       </a:defRPr>
     </a:lvl9pPr>
   </p:defaultTextStyle>
+  <p:extLst>
+    <p:ext uri="{EFAFB233-063F-42B5-8137-9DF3F51BA10A}">
+      <p15:sldGuideLst xmlns:p15="http://schemas.microsoft.com/office/powerpoint/2012/main"/>
+    </p:ext>
+  </p:extLst>
 </p:presentation>
 </file>
 
@@ -249,7 +255,7 @@
           <a:p>
             <a:fld id="{78D41992-5058-4E47-B802-A6C9396A3636}" type="datetimeFigureOut">
               <a:rPr lang="en-US" smtClean="0"/>
-              <a:t>2019-01-30</a:t>
+              <a:t>2019-01-31</a:t>
             </a:fld>
             <a:endParaRPr lang="en-US"/>
           </a:p>
@@ -419,7 +425,7 @@
           <a:p>
             <a:fld id="{78D41992-5058-4E47-B802-A6C9396A3636}" type="datetimeFigureOut">
               <a:rPr lang="en-US" smtClean="0"/>
-              <a:t>2019-01-30</a:t>
+              <a:t>2019-01-31</a:t>
             </a:fld>
             <a:endParaRPr lang="en-US"/>
           </a:p>
@@ -599,7 +605,7 @@
           <a:p>
             <a:fld id="{78D41992-5058-4E47-B802-A6C9396A3636}" type="datetimeFigureOut">
               <a:rPr lang="en-US" smtClean="0"/>
-              <a:t>2019-01-30</a:t>
+              <a:t>2019-01-31</a:t>
             </a:fld>
             <a:endParaRPr lang="en-US"/>
           </a:p>
@@ -769,7 +775,7 @@
           <a:p>
             <a:fld id="{78D41992-5058-4E47-B802-A6C9396A3636}" type="datetimeFigureOut">
               <a:rPr lang="en-US" smtClean="0"/>
-              <a:t>2019-01-30</a:t>
+              <a:t>2019-01-31</a:t>
             </a:fld>
             <a:endParaRPr lang="en-US"/>
           </a:p>
@@ -1015,7 +1021,7 @@
           <a:p>
             <a:fld id="{78D41992-5058-4E47-B802-A6C9396A3636}" type="datetimeFigureOut">
               <a:rPr lang="en-US" smtClean="0"/>
-              <a:t>2019-01-30</a:t>
+              <a:t>2019-01-31</a:t>
             </a:fld>
             <a:endParaRPr lang="en-US"/>
           </a:p>
@@ -1247,7 +1253,7 @@
           <a:p>
             <a:fld id="{78D41992-5058-4E47-B802-A6C9396A3636}" type="datetimeFigureOut">
               <a:rPr lang="en-US" smtClean="0"/>
-              <a:t>2019-01-30</a:t>
+              <a:t>2019-01-31</a:t>
             </a:fld>
             <a:endParaRPr lang="en-US"/>
           </a:p>
@@ -1614,7 +1620,7 @@
           <a:p>
             <a:fld id="{78D41992-5058-4E47-B802-A6C9396A3636}" type="datetimeFigureOut">
               <a:rPr lang="en-US" smtClean="0"/>
-              <a:t>2019-01-30</a:t>
+              <a:t>2019-01-31</a:t>
             </a:fld>
             <a:endParaRPr lang="en-US"/>
           </a:p>
@@ -1732,7 +1738,7 @@
           <a:p>
             <a:fld id="{78D41992-5058-4E47-B802-A6C9396A3636}" type="datetimeFigureOut">
               <a:rPr lang="en-US" smtClean="0"/>
-              <a:t>2019-01-30</a:t>
+              <a:t>2019-01-31</a:t>
             </a:fld>
             <a:endParaRPr lang="en-US"/>
           </a:p>
@@ -1827,7 +1833,7 @@
           <a:p>
             <a:fld id="{78D41992-5058-4E47-B802-A6C9396A3636}" type="datetimeFigureOut">
               <a:rPr lang="en-US" smtClean="0"/>
-              <a:t>2019-01-30</a:t>
+              <a:t>2019-01-31</a:t>
             </a:fld>
             <a:endParaRPr lang="en-US"/>
           </a:p>
@@ -2104,7 +2110,7 @@
           <a:p>
             <a:fld id="{78D41992-5058-4E47-B802-A6C9396A3636}" type="datetimeFigureOut">
               <a:rPr lang="en-US" smtClean="0"/>
-              <a:t>2019-01-30</a:t>
+              <a:t>2019-01-31</a:t>
             </a:fld>
             <a:endParaRPr lang="en-US"/>
           </a:p>
@@ -2357,7 +2363,7 @@
           <a:p>
             <a:fld id="{78D41992-5058-4E47-B802-A6C9396A3636}" type="datetimeFigureOut">
               <a:rPr lang="en-US" smtClean="0"/>
-              <a:t>2019-01-30</a:t>
+              <a:t>2019-01-31</a:t>
             </a:fld>
             <a:endParaRPr lang="en-US"/>
           </a:p>
@@ -2570,7 +2576,7 @@
           <a:p>
             <a:fld id="{78D41992-5058-4E47-B802-A6C9396A3636}" type="datetimeFigureOut">
               <a:rPr lang="en-US" smtClean="0"/>
-              <a:t>2019-01-30</a:t>
+              <a:t>2019-01-31</a:t>
             </a:fld>
             <a:endParaRPr lang="en-US"/>
           </a:p>
@@ -3081,7 +3087,7 @@
           <a:p>
             <a:r>
               <a:rPr lang="en-US" dirty="0" smtClean="0"/>
-              <a:t>Security Testing Plan Framework</a:t>
+              <a:t>Discovering Vulnerabilities (4)</a:t>
             </a:r>
             <a:endParaRPr lang="en-US" dirty="0"/>
           </a:p>
@@ -3099,157 +3105,60 @@
         </p:nvSpPr>
         <p:spPr>
           <a:xfrm>
-            <a:off x="838200" y="1409165"/>
-            <a:ext cx="10515600" cy="4351338"/>
+            <a:off x="838200" y="1548143"/>
+            <a:ext cx="10515600" cy="4628820"/>
           </a:xfrm>
         </p:spPr>
         <p:txBody>
           <a:bodyPr/>
           <a:lstStyle/>
           <a:p>
-            <a:r>
-              <a:rPr lang="en-US" b="1" dirty="0">
-                <a:hlinkClick r:id="rId2"/>
-              </a:rPr>
-              <a:t>Static Vulnerability </a:t>
-            </a:r>
-            <a:r>
-              <a:rPr lang="en-US" b="1" dirty="0" smtClean="0">
-                <a:hlinkClick r:id="rId2"/>
-              </a:rPr>
-              <a:t>Discovery</a:t>
-            </a:r>
+            <a:pPr marL="0" indent="0">
+              <a:buNone/>
+            </a:pPr>
             <a:r>
               <a:rPr lang="en-US" b="1" dirty="0" smtClean="0"/>
-              <a:t>:</a:t>
-            </a:r>
-            <a:endParaRPr lang="en-US" dirty="0"/>
+              <a:t>Runtime/Dynamic Code Analysis</a:t>
+            </a:r>
           </a:p>
           <a:p>
             <a:pPr lvl="1"/>
             <a:r>
-              <a:rPr lang="en-US" b="1" dirty="0">
-                <a:hlinkClick r:id="rId3"/>
-              </a:rPr>
-              <a:t>Static Code Analysis:</a:t>
-            </a:r>
-            <a:r>
-              <a:rPr lang="en-US" dirty="0"/>
-              <a:t> If source code is available, a static code checker should be used to check for vulnerabilities in new purpose-written code.</a:t>
+              <a:rPr lang="en-US" dirty="0" smtClean="0"/>
+              <a:t>Does not require access to source, just external (network) interfaces</a:t>
+            </a:r>
+          </a:p>
+          <a:p>
+            <a:r>
+              <a:rPr lang="en-US" b="1" dirty="0" smtClean="0"/>
+              <a:t>Vulnerability Scanner:</a:t>
+            </a:r>
+            <a:r>
+              <a:rPr lang="en-US" dirty="0" smtClean="0"/>
+              <a:t> Attempt to run a known set of exploits or vulnerability trigger inputs against the target and report the outcomes.</a:t>
             </a:r>
           </a:p>
           <a:p>
             <a:pPr lvl="1"/>
             <a:r>
-              <a:rPr lang="en-US" b="1" dirty="0">
-                <a:hlinkClick r:id="rId4"/>
-              </a:rPr>
-              <a:t>Known Vulnerability Checking:</a:t>
-            </a:r>
-            <a:r>
-              <a:rPr lang="en-US" dirty="0"/>
-              <a:t> If binaries and/or a list of package dependencies are available, a vulnerability checker should be used to check for known vulnerabilities in libraries used.</a:t>
-            </a:r>
-          </a:p>
-          <a:p>
-            <a:r>
-              <a:rPr lang="en-US" b="1" dirty="0">
-                <a:hlinkClick r:id="rId5"/>
-              </a:rPr>
-              <a:t>Runtime Vulnerability </a:t>
-            </a:r>
-            <a:r>
-              <a:rPr lang="en-US" b="1" dirty="0" smtClean="0">
-                <a:hlinkClick r:id="rId5"/>
-              </a:rPr>
-              <a:t>Discovery</a:t>
-            </a:r>
-            <a:r>
-              <a:rPr lang="en-US" b="1" dirty="0" smtClean="0"/>
-              <a:t>:</a:t>
-            </a:r>
-            <a:r>
-              <a:rPr lang="en-US" dirty="0"/>
-              <a:t> </a:t>
-            </a:r>
-            <a:r>
-              <a:rPr lang="en-US" dirty="0" smtClean="0"/>
-              <a:t>Appropriate </a:t>
-            </a:r>
-            <a:r>
-              <a:rPr lang="en-US" dirty="0"/>
-              <a:t>tools such as </a:t>
-            </a:r>
-            <a:r>
-              <a:rPr lang="en-US" dirty="0">
-                <a:hlinkClick r:id="rId6"/>
-              </a:rPr>
-              <a:t>Fuzz Testing</a:t>
-            </a:r>
-            <a:r>
-              <a:rPr lang="en-US" dirty="0"/>
-              <a:t>, </a:t>
-            </a:r>
-            <a:r>
-              <a:rPr lang="en-US" dirty="0">
-                <a:hlinkClick r:id="rId7"/>
-              </a:rPr>
-              <a:t>Protocol Analysis</a:t>
-            </a:r>
-            <a:r>
-              <a:rPr lang="en-US" dirty="0"/>
-              <a:t>, and </a:t>
-            </a:r>
-            <a:r>
-              <a:rPr lang="en-US" dirty="0">
-                <a:hlinkClick r:id="rId8"/>
-              </a:rPr>
-              <a:t>Vulnerability Scanners</a:t>
-            </a:r>
-            <a:r>
-              <a:rPr lang="en-US" dirty="0"/>
-              <a:t> can be discover problems even when only the network interface is available, and are complementary to other kinds of checks.</a:t>
-            </a:r>
-          </a:p>
-          <a:p>
-            <a:r>
-              <a:rPr lang="en-US" b="1" dirty="0">
-                <a:hlinkClick r:id="rId9"/>
-              </a:rPr>
-              <a:t>Exploitation </a:t>
-            </a:r>
-            <a:r>
-              <a:rPr lang="en-US" b="1" dirty="0" smtClean="0">
-                <a:hlinkClick r:id="rId9"/>
-              </a:rPr>
-              <a:t>Analysis</a:t>
-            </a:r>
-            <a:r>
-              <a:rPr lang="en-US" b="1" dirty="0" smtClean="0"/>
-              <a:t>:</a:t>
-            </a:r>
-            <a:r>
-              <a:rPr lang="en-US" dirty="0"/>
-              <a:t> This can be used to prioritize which </a:t>
-            </a:r>
-            <a:r>
-              <a:rPr lang="en-US" dirty="0" smtClean="0"/>
-              <a:t>vulnerabilities </a:t>
-            </a:r>
-            <a:r>
-              <a:rPr lang="en-US" dirty="0"/>
-              <a:t>should be addressed first or whether a given vulnerable system can even be used in a given environment.</a:t>
-            </a:r>
-          </a:p>
-          <a:p>
-            <a:endParaRPr lang="en-US" dirty="0"/>
+              <a:rPr lang="en-US" dirty="0" smtClean="0"/>
+              <a:t>Example tools: w3af, Burp vulnerability scanner, </a:t>
+            </a:r>
+            <a:r>
+              <a:rPr lang="en-US" dirty="0" err="1" smtClean="0"/>
+              <a:t>Nikto</a:t>
+            </a:r>
+            <a:r>
+              <a:rPr lang="en-US" dirty="0" smtClean="0"/>
+              <a:t>, WATOBO.</a:t>
+            </a:r>
           </a:p>
         </p:txBody>
       </p:sp>
     </p:spTree>
     <p:extLst>
       <p:ext uri="{BB962C8B-B14F-4D97-AF65-F5344CB8AC3E}">
-        <p14:creationId xmlns:p14="http://schemas.microsoft.com/office/powerpoint/2010/main" val="4082890732"/>
+        <p14:creationId xmlns:p14="http://schemas.microsoft.com/office/powerpoint/2010/main" val="4058953562"/>
       </p:ext>
     </p:extLst>
   </p:cSld>
@@ -3293,6 +3202,218 @@
           <a:p>
             <a:r>
               <a:rPr lang="en-US" dirty="0" smtClean="0"/>
+              <a:t>Security Testing Plan Framework</a:t>
+            </a:r>
+            <a:endParaRPr lang="en-US" dirty="0"/>
+          </a:p>
+        </p:txBody>
+      </p:sp>
+      <p:sp>
+        <p:nvSpPr>
+          <p:cNvPr id="3" name="Content Placeholder 2"/>
+          <p:cNvSpPr>
+            <a:spLocks noGrp="1"/>
+          </p:cNvSpPr>
+          <p:nvPr>
+            <p:ph idx="1"/>
+          </p:nvPr>
+        </p:nvSpPr>
+        <p:spPr>
+          <a:xfrm>
+            <a:off x="838200" y="1409165"/>
+            <a:ext cx="10515600" cy="4351338"/>
+          </a:xfrm>
+        </p:spPr>
+        <p:txBody>
+          <a:bodyPr/>
+          <a:lstStyle/>
+          <a:p>
+            <a:r>
+              <a:rPr lang="en-US" b="1" dirty="0">
+                <a:hlinkClick r:id="rId2"/>
+              </a:rPr>
+              <a:t>Static Vulnerability </a:t>
+            </a:r>
+            <a:r>
+              <a:rPr lang="en-US" b="1" dirty="0" smtClean="0">
+                <a:hlinkClick r:id="rId2"/>
+              </a:rPr>
+              <a:t>Discovery</a:t>
+            </a:r>
+            <a:r>
+              <a:rPr lang="en-US" b="1" dirty="0" smtClean="0"/>
+              <a:t>:</a:t>
+            </a:r>
+            <a:endParaRPr lang="en-US" dirty="0"/>
+          </a:p>
+          <a:p>
+            <a:pPr lvl="1"/>
+            <a:r>
+              <a:rPr lang="en-US" b="1" dirty="0">
+                <a:hlinkClick r:id="rId3"/>
+              </a:rPr>
+              <a:t>Static Code Analysis:</a:t>
+            </a:r>
+            <a:r>
+              <a:rPr lang="en-US" dirty="0"/>
+              <a:t> If source code is available, a static code checker should be used to check for vulnerabilities in new purpose-written code.</a:t>
+            </a:r>
+          </a:p>
+          <a:p>
+            <a:pPr lvl="1"/>
+            <a:r>
+              <a:rPr lang="en-US" b="1" dirty="0">
+                <a:hlinkClick r:id="rId4"/>
+              </a:rPr>
+              <a:t>Known Vulnerability Checking:</a:t>
+            </a:r>
+            <a:r>
+              <a:rPr lang="en-US" dirty="0"/>
+              <a:t> If binaries and/or a list of package dependencies are available, a vulnerability checker should be used to check for known vulnerabilities in libraries used.</a:t>
+            </a:r>
+          </a:p>
+          <a:p>
+            <a:r>
+              <a:rPr lang="en-US" b="1" dirty="0">
+                <a:hlinkClick r:id="rId5"/>
+              </a:rPr>
+              <a:t>Runtime Vulnerability </a:t>
+            </a:r>
+            <a:r>
+              <a:rPr lang="en-US" b="1" dirty="0" smtClean="0">
+                <a:hlinkClick r:id="rId5"/>
+              </a:rPr>
+              <a:t>Discovery</a:t>
+            </a:r>
+            <a:r>
+              <a:rPr lang="en-US" b="1" dirty="0" smtClean="0"/>
+              <a:t>:</a:t>
+            </a:r>
+            <a:r>
+              <a:rPr lang="en-US" dirty="0"/>
+              <a:t> </a:t>
+            </a:r>
+            <a:r>
+              <a:rPr lang="en-US" dirty="0" smtClean="0"/>
+              <a:t>Appropriate </a:t>
+            </a:r>
+            <a:r>
+              <a:rPr lang="en-US" dirty="0"/>
+              <a:t>tools such as </a:t>
+            </a:r>
+            <a:r>
+              <a:rPr lang="en-US" dirty="0">
+                <a:hlinkClick r:id="rId6"/>
+              </a:rPr>
+              <a:t>Fuzz Testing</a:t>
+            </a:r>
+            <a:r>
+              <a:rPr lang="en-US" dirty="0"/>
+              <a:t>, </a:t>
+            </a:r>
+            <a:r>
+              <a:rPr lang="en-US" dirty="0">
+                <a:hlinkClick r:id="rId7"/>
+              </a:rPr>
+              <a:t>Protocol Analysis</a:t>
+            </a:r>
+            <a:r>
+              <a:rPr lang="en-US" dirty="0"/>
+              <a:t>, and </a:t>
+            </a:r>
+            <a:r>
+              <a:rPr lang="en-US" dirty="0">
+                <a:hlinkClick r:id="rId8"/>
+              </a:rPr>
+              <a:t>Vulnerability Scanners</a:t>
+            </a:r>
+            <a:r>
+              <a:rPr lang="en-US" dirty="0"/>
+              <a:t> can be discover problems even when only the network interface is available, and are complementary to other kinds of checks.</a:t>
+            </a:r>
+          </a:p>
+          <a:p>
+            <a:r>
+              <a:rPr lang="en-US" b="1" dirty="0">
+                <a:hlinkClick r:id="rId9"/>
+              </a:rPr>
+              <a:t>Exploitation </a:t>
+            </a:r>
+            <a:r>
+              <a:rPr lang="en-US" b="1" dirty="0" smtClean="0">
+                <a:hlinkClick r:id="rId9"/>
+              </a:rPr>
+              <a:t>Analysis</a:t>
+            </a:r>
+            <a:r>
+              <a:rPr lang="en-US" b="1" dirty="0" smtClean="0"/>
+              <a:t>:</a:t>
+            </a:r>
+            <a:r>
+              <a:rPr lang="en-US" dirty="0"/>
+              <a:t> This can be used to prioritize which </a:t>
+            </a:r>
+            <a:r>
+              <a:rPr lang="en-US" dirty="0" smtClean="0"/>
+              <a:t>vulnerabilities </a:t>
+            </a:r>
+            <a:r>
+              <a:rPr lang="en-US" dirty="0"/>
+              <a:t>should be addressed first or whether a given vulnerable system can even be used in a given environment.</a:t>
+            </a:r>
+          </a:p>
+          <a:p>
+            <a:endParaRPr lang="en-US" dirty="0"/>
+          </a:p>
+        </p:txBody>
+      </p:sp>
+    </p:spTree>
+    <p:extLst>
+      <p:ext uri="{BB962C8B-B14F-4D97-AF65-F5344CB8AC3E}">
+        <p14:creationId xmlns:p14="http://schemas.microsoft.com/office/powerpoint/2010/main" val="4082890732"/>
+      </p:ext>
+    </p:extLst>
+  </p:cSld>
+  <p:clrMapOvr>
+    <a:masterClrMapping/>
+  </p:clrMapOvr>
+</p:sld>
+</file>
+
+<file path=ppt/slides/slide12.xml><?xml version="1.0" encoding="utf-8"?>
+<p:sld xmlns:a="http://schemas.openxmlformats.org/drawingml/2006/main" xmlns:r="http://schemas.openxmlformats.org/officeDocument/2006/relationships" xmlns:p="http://schemas.openxmlformats.org/presentationml/2006/main">
+  <p:cSld>
+    <p:spTree>
+      <p:nvGrpSpPr>
+        <p:cNvPr id="1" name=""/>
+        <p:cNvGrpSpPr/>
+        <p:nvPr/>
+      </p:nvGrpSpPr>
+      <p:grpSpPr>
+        <a:xfrm>
+          <a:off x="0" y="0"/>
+          <a:ext cx="0" cy="0"/>
+          <a:chOff x="0" y="0"/>
+          <a:chExt cx="0" cy="0"/>
+        </a:xfrm>
+      </p:grpSpPr>
+      <p:sp>
+        <p:nvSpPr>
+          <p:cNvPr id="2" name="Title 1"/>
+          <p:cNvSpPr>
+            <a:spLocks noGrp="1"/>
+          </p:cNvSpPr>
+          <p:nvPr>
+            <p:ph type="title"/>
+          </p:nvPr>
+        </p:nvSpPr>
+        <p:spPr/>
+        <p:txBody>
+          <a:bodyPr/>
+          <a:lstStyle/>
+          <a:p>
+            <a:r>
+              <a:rPr lang="en-US" dirty="0" smtClean="0"/>
               <a:t>Suggested Testing Frequency</a:t>
             </a:r>
             <a:endParaRPr lang="en-US" dirty="0"/>
@@ -3434,7 +3555,7 @@
 </p:sld>
 </file>
 
-<file path=ppt/slides/slide12.xml><?xml version="1.0" encoding="utf-8"?>
+<file path=ppt/slides/slide13.xml><?xml version="1.0" encoding="utf-8"?>
 <p:sld xmlns:a="http://schemas.openxmlformats.org/drawingml/2006/main" xmlns:r="http://schemas.openxmlformats.org/officeDocument/2006/relationships" xmlns:p="http://schemas.openxmlformats.org/presentationml/2006/main">
   <p:cSld>
     <p:spTree>
@@ -3753,6 +3874,127 @@
 </file>
 
 <file path=ppt/slides/slide3.xml><?xml version="1.0" encoding="utf-8"?>
+<p:sld xmlns:a="http://schemas.openxmlformats.org/drawingml/2006/main" xmlns:r="http://schemas.openxmlformats.org/officeDocument/2006/relationships" xmlns:p="http://schemas.openxmlformats.org/presentationml/2006/main">
+  <p:cSld>
+    <p:spTree>
+      <p:nvGrpSpPr>
+        <p:cNvPr id="1" name=""/>
+        <p:cNvGrpSpPr/>
+        <p:nvPr/>
+      </p:nvGrpSpPr>
+      <p:grpSpPr>
+        <a:xfrm>
+          <a:off x="0" y="0"/>
+          <a:ext cx="0" cy="0"/>
+          <a:chOff x="0" y="0"/>
+          <a:chExt cx="0" cy="0"/>
+        </a:xfrm>
+      </p:grpSpPr>
+      <p:sp>
+        <p:nvSpPr>
+          <p:cNvPr id="2" name="Title 1"/>
+          <p:cNvSpPr>
+            <a:spLocks noGrp="1"/>
+          </p:cNvSpPr>
+          <p:nvPr>
+            <p:ph type="title"/>
+          </p:nvPr>
+        </p:nvSpPr>
+        <p:spPr/>
+        <p:txBody>
+          <a:bodyPr/>
+          <a:lstStyle/>
+          <a:p>
+            <a:r>
+              <a:rPr lang="en-US" dirty="0" smtClean="0"/>
+              <a:t>WG Charter: Security Deliverables</a:t>
+            </a:r>
+            <a:endParaRPr lang="en-US" dirty="0"/>
+          </a:p>
+        </p:txBody>
+      </p:sp>
+      <p:sp>
+        <p:nvSpPr>
+          <p:cNvPr id="3" name="Content Placeholder 2"/>
+          <p:cNvSpPr>
+            <a:spLocks noGrp="1"/>
+          </p:cNvSpPr>
+          <p:nvPr>
+            <p:ph idx="1"/>
+          </p:nvPr>
+        </p:nvSpPr>
+        <p:spPr/>
+        <p:txBody>
+          <a:bodyPr/>
+          <a:lstStyle/>
+          <a:p>
+            <a:pPr marL="0" indent="0">
+              <a:buNone/>
+            </a:pPr>
+            <a:r>
+              <a:rPr lang="en-US" dirty="0"/>
+              <a:t>In order to enhance the security of </a:t>
+            </a:r>
+            <a:r>
+              <a:rPr lang="en-US" dirty="0" err="1"/>
+              <a:t>WoT</a:t>
+            </a:r>
+            <a:r>
+              <a:rPr lang="en-US" dirty="0"/>
+              <a:t> systems, we will also </a:t>
+            </a:r>
+            <a:r>
+              <a:rPr lang="en-US" i="1" dirty="0"/>
+              <a:t>generate</a:t>
+            </a:r>
+            <a:r>
+              <a:rPr lang="en-US" dirty="0"/>
+              <a:t> and </a:t>
+            </a:r>
+            <a:r>
+              <a:rPr lang="en-US" i="1" dirty="0"/>
+              <a:t>implement</a:t>
+            </a:r>
+            <a:r>
+              <a:rPr lang="en-US" dirty="0"/>
+              <a:t> a security testing plan which will include both functional and adversarial testing of the proposed standards and their implementations. </a:t>
+            </a:r>
+            <a:endParaRPr lang="en-US" dirty="0" smtClean="0"/>
+          </a:p>
+          <a:p>
+            <a:pPr marL="0" indent="0">
+              <a:buNone/>
+            </a:pPr>
+            <a:r>
+              <a:rPr lang="en-US" dirty="0" smtClean="0"/>
+              <a:t>We </a:t>
+            </a:r>
+            <a:r>
+              <a:rPr lang="en-US" dirty="0"/>
+              <a:t>will only recommend an implementation of the proposed standards for use in production once it has passed such testing</a:t>
+            </a:r>
+            <a:r>
+              <a:rPr lang="en-US" dirty="0" smtClean="0"/>
+              <a:t>.</a:t>
+            </a:r>
+            <a:endParaRPr lang="en-US" dirty="0"/>
+          </a:p>
+        </p:txBody>
+      </p:sp>
+    </p:spTree>
+    <p:extLst>
+      <p:ext uri="{BB962C8B-B14F-4D97-AF65-F5344CB8AC3E}">
+        <p14:creationId xmlns:p14="http://schemas.microsoft.com/office/powerpoint/2010/main" val="3735118885"/>
+      </p:ext>
+    </p:extLst>
+  </p:cSld>
+  <p:clrMapOvr>
+    <a:masterClrMapping/>
+  </p:clrMapOvr>
+</p:sld>
+</file>
+
+<file path=ppt/slides/slide4.xml><?xml version="1.0" encoding="utf-8"?>
 <p:sld xmlns:a="http://schemas.openxmlformats.org/drawingml/2006/main" xmlns:r="http://schemas.openxmlformats.org/officeDocument/2006/relationships" xmlns:p="http://schemas.openxmlformats.org/presentationml/2006/main">
   <p:cSld>
     <p:spTree>
@@ -4330,157 +4572,6 @@
 </p:sld>
 </file>
 
-<file path=ppt/slides/slide4.xml><?xml version="1.0" encoding="utf-8"?>
-<p:sld xmlns:a="http://schemas.openxmlformats.org/drawingml/2006/main" xmlns:r="http://schemas.openxmlformats.org/officeDocument/2006/relationships" xmlns:p="http://schemas.openxmlformats.org/presentationml/2006/main">
-  <p:cSld>
-    <p:spTree>
-      <p:nvGrpSpPr>
-        <p:cNvPr id="1" name=""/>
-        <p:cNvGrpSpPr/>
-        <p:nvPr/>
-      </p:nvGrpSpPr>
-      <p:grpSpPr>
-        <a:xfrm>
-          <a:off x="0" y="0"/>
-          <a:ext cx="0" cy="0"/>
-          <a:chOff x="0" y="0"/>
-          <a:chExt cx="0" cy="0"/>
-        </a:xfrm>
-      </p:grpSpPr>
-      <p:sp>
-        <p:nvSpPr>
-          <p:cNvPr id="2" name="Title 1"/>
-          <p:cNvSpPr>
-            <a:spLocks noGrp="1"/>
-          </p:cNvSpPr>
-          <p:nvPr>
-            <p:ph type="title"/>
-          </p:nvPr>
-        </p:nvSpPr>
-        <p:spPr/>
-        <p:txBody>
-          <a:bodyPr/>
-          <a:lstStyle/>
-          <a:p>
-            <a:r>
-              <a:rPr lang="en-US" dirty="0" smtClean="0"/>
-              <a:t>Functional Security Testing</a:t>
-            </a:r>
-            <a:endParaRPr lang="en-US" dirty="0"/>
-          </a:p>
-        </p:txBody>
-      </p:sp>
-      <p:sp>
-        <p:nvSpPr>
-          <p:cNvPr id="3" name="Content Placeholder 2"/>
-          <p:cNvSpPr>
-            <a:spLocks noGrp="1"/>
-          </p:cNvSpPr>
-          <p:nvPr>
-            <p:ph idx="1"/>
-          </p:nvPr>
-        </p:nvSpPr>
-        <p:spPr>
-          <a:xfrm>
-            <a:off x="838200" y="1600153"/>
-            <a:ext cx="10515600" cy="4351338"/>
-          </a:xfrm>
-        </p:spPr>
-        <p:txBody>
-          <a:bodyPr/>
-          <a:lstStyle/>
-          <a:p>
-            <a:r>
-              <a:rPr lang="en-US" dirty="0" smtClean="0"/>
-              <a:t>Related to "Behavioral" assertions for security in spec:</a:t>
-            </a:r>
-          </a:p>
-          <a:p>
-            <a:pPr lvl="1"/>
-            <a:r>
-              <a:rPr lang="en-US" dirty="0" smtClean="0"/>
-              <a:t>Security mechanisms supported by a Thing should be consistent with its description in its Thing Description</a:t>
-            </a:r>
-          </a:p>
-          <a:p>
-            <a:pPr lvl="1"/>
-            <a:r>
-              <a:rPr lang="en-US" dirty="0" smtClean="0"/>
-              <a:t>Generally, we cannot constrain a server, which may be pre-existing device…</a:t>
-            </a:r>
-          </a:p>
-          <a:p>
-            <a:pPr lvl="2"/>
-            <a:r>
-              <a:rPr lang="en-US" dirty="0" smtClean="0"/>
-              <a:t>TD cannot "correct" insecure behavior by a described Thing</a:t>
-            </a:r>
-          </a:p>
-          <a:p>
-            <a:pPr lvl="2"/>
-            <a:r>
-              <a:rPr lang="en-US" dirty="0" smtClean="0"/>
-              <a:t>A TD should describe exactly what the Thing does and needs, no more or less</a:t>
-            </a:r>
-          </a:p>
-          <a:p>
-            <a:pPr lvl="2"/>
-            <a:r>
-              <a:rPr lang="en-US" dirty="0" smtClean="0"/>
-              <a:t>If the TD does not correctly describe a Thing, then the </a:t>
-            </a:r>
-            <a:r>
-              <a:rPr lang="en-US" b="1" i="1" dirty="0" smtClean="0"/>
-              <a:t>TD</a:t>
-            </a:r>
-            <a:r>
-              <a:rPr lang="en-US" dirty="0" smtClean="0"/>
-              <a:t> is incorrect, not the Thing</a:t>
-            </a:r>
-          </a:p>
-          <a:p>
-            <a:r>
-              <a:rPr lang="en-US" dirty="0" smtClean="0"/>
-              <a:t>"Functional Testing" just checks for correct implementation of described security mechanisms:</a:t>
-            </a:r>
-          </a:p>
-          <a:p>
-            <a:pPr lvl="1"/>
-            <a:r>
-              <a:rPr lang="en-US" dirty="0" smtClean="0"/>
-              <a:t>Accesses with proper authentication should be allowed</a:t>
-            </a:r>
-          </a:p>
-          <a:p>
-            <a:pPr lvl="1"/>
-            <a:r>
-              <a:rPr lang="en-US" dirty="0" smtClean="0"/>
-              <a:t>Accessed without proper authentication should be denied</a:t>
-            </a:r>
-          </a:p>
-          <a:p>
-            <a:pPr lvl="1"/>
-            <a:r>
-              <a:rPr lang="en-US" dirty="0" smtClean="0"/>
-              <a:t>Correct encryption and authentication mechanisms should be used</a:t>
-            </a:r>
-            <a:endParaRPr lang="en-US" dirty="0"/>
-          </a:p>
-        </p:txBody>
-      </p:sp>
-    </p:spTree>
-    <p:extLst>
-      <p:ext uri="{BB962C8B-B14F-4D97-AF65-F5344CB8AC3E}">
-        <p14:creationId xmlns:p14="http://schemas.microsoft.com/office/powerpoint/2010/main" val="4198188698"/>
-      </p:ext>
-    </p:extLst>
-  </p:cSld>
-  <p:clrMapOvr>
-    <a:masterClrMapping/>
-  </p:clrMapOvr>
-</p:sld>
-</file>
-
 <file path=ppt/slides/slide5.xml><?xml version="1.0" encoding="utf-8"?>
 <p:sld xmlns:a="http://schemas.openxmlformats.org/drawingml/2006/main" xmlns:r="http://schemas.openxmlformats.org/officeDocument/2006/relationships" xmlns:p="http://schemas.openxmlformats.org/presentationml/2006/main">
   <p:cSld>
@@ -4515,7 +4606,7 @@
           <a:p>
             <a:r>
               <a:rPr lang="en-US" dirty="0" smtClean="0"/>
-              <a:t>Adversarial Security Testing</a:t>
+              <a:t>Functional Security Testing</a:t>
             </a:r>
             <a:endParaRPr lang="en-US" dirty="0"/>
           </a:p>
@@ -4533,107 +4624,88 @@
         </p:nvSpPr>
         <p:spPr>
           <a:xfrm>
-            <a:off x="838200" y="1439501"/>
-            <a:ext cx="10515600" cy="4737462"/>
+            <a:off x="838200" y="1600153"/>
+            <a:ext cx="10515600" cy="4351338"/>
           </a:xfrm>
         </p:spPr>
         <p:txBody>
           <a:bodyPr/>
           <a:lstStyle/>
           <a:p>
-            <a:pPr marL="0" indent="0">
-              <a:buNone/>
-            </a:pPr>
+            <a:r>
+              <a:rPr lang="en-US" dirty="0" smtClean="0"/>
+              <a:t>Related to "Behavioral" assertions for security in spec:</a:t>
+            </a:r>
+          </a:p>
+          <a:p>
+            <a:pPr lvl="1"/>
+            <a:r>
+              <a:rPr lang="en-US" dirty="0" smtClean="0"/>
+              <a:t>Security mechanisms supported by a Thing should be consistent with its description in its Thing Description</a:t>
+            </a:r>
+          </a:p>
+          <a:p>
+            <a:pPr lvl="1"/>
+            <a:r>
+              <a:rPr lang="en-US" dirty="0" smtClean="0"/>
+              <a:t>Generally, we cannot constrain a server, which may be pre-existing device…</a:t>
+            </a:r>
+          </a:p>
+          <a:p>
+            <a:pPr lvl="2"/>
+            <a:r>
+              <a:rPr lang="en-US" dirty="0" smtClean="0"/>
+              <a:t>TD cannot "correct" insecure behavior by a described Thing</a:t>
+            </a:r>
+          </a:p>
+          <a:p>
+            <a:pPr lvl="2"/>
+            <a:r>
+              <a:rPr lang="en-US" dirty="0" smtClean="0"/>
+              <a:t>A TD should describe exactly what the Thing does and needs, no more or less</a:t>
+            </a:r>
+          </a:p>
+          <a:p>
+            <a:pPr lvl="2"/>
+            <a:r>
+              <a:rPr lang="en-US" dirty="0" smtClean="0"/>
+              <a:t>If the TD does not correctly describe a Thing, then the </a:t>
+            </a:r>
             <a:r>
               <a:rPr lang="en-US" b="1" i="1" dirty="0" smtClean="0"/>
-              <a:t>Mimics what an attacker would try to do</a:t>
+              <a:t>TD</a:t>
+            </a:r>
+            <a:r>
+              <a:rPr lang="en-US" dirty="0" smtClean="0"/>
+              <a:t> is incorrect, not the Thing</a:t>
+            </a:r>
+          </a:p>
+          <a:p>
+            <a:r>
+              <a:rPr lang="en-US" dirty="0" smtClean="0"/>
+              <a:t>"Functional Testing" just checks for correct implementation of described security mechanisms:</a:t>
             </a:r>
           </a:p>
           <a:p>
             <a:pPr lvl="1"/>
             <a:r>
               <a:rPr lang="en-US" dirty="0" smtClean="0"/>
-              <a:t>We can re-use tools intended for attacking web services, although we should extend these with tools for IoT protocols (</a:t>
-            </a:r>
-            <a:r>
-              <a:rPr lang="en-US" dirty="0" err="1" smtClean="0"/>
-              <a:t>CoAP</a:t>
-            </a:r>
-            <a:r>
-              <a:rPr lang="en-US" dirty="0" smtClean="0"/>
-              <a:t>, MQTT, </a:t>
-            </a:r>
-            <a:r>
-              <a:rPr lang="en-US" dirty="0" err="1" smtClean="0"/>
-              <a:t>etc</a:t>
-            </a:r>
-            <a:r>
-              <a:rPr lang="en-US" dirty="0" smtClean="0"/>
-              <a:t>).</a:t>
-            </a:r>
-          </a:p>
-          <a:p>
-            <a:r>
-              <a:rPr lang="en-US" dirty="0" smtClean="0"/>
-              <a:t>Three stages:</a:t>
-            </a:r>
-          </a:p>
-          <a:p>
-            <a:pPr marL="971550" lvl="1" indent="-514350">
-              <a:buFont typeface="+mj-lt"/>
-              <a:buAutoNum type="arabicPeriod"/>
-            </a:pPr>
-            <a:r>
-              <a:rPr lang="en-US" dirty="0" smtClean="0"/>
-              <a:t>Information gathering</a:t>
-            </a:r>
-          </a:p>
-          <a:p>
-            <a:pPr marL="971550" lvl="1" indent="-514350">
-              <a:buFont typeface="+mj-lt"/>
-              <a:buAutoNum type="arabicPeriod"/>
-            </a:pPr>
-            <a:r>
-              <a:rPr lang="en-US" dirty="0" smtClean="0"/>
-              <a:t>Vulnerability discovery</a:t>
-            </a:r>
-          </a:p>
-          <a:p>
-            <a:pPr marL="971550" lvl="1" indent="-514350">
-              <a:buFont typeface="+mj-lt"/>
-              <a:buAutoNum type="arabicPeriod"/>
-            </a:pPr>
-            <a:r>
-              <a:rPr lang="en-US" dirty="0" smtClean="0"/>
-              <a:t>Exploitation</a:t>
-            </a:r>
-          </a:p>
-          <a:p>
-            <a:r>
-              <a:rPr lang="en-US" dirty="0" smtClean="0"/>
-              <a:t>Adversarial testing focuses on </a:t>
-            </a:r>
-            <a:r>
-              <a:rPr lang="en-US" i="1" dirty="0" smtClean="0"/>
-              <a:t>Vulnerability Discovery</a:t>
+              <a:t>Accesses with proper authentication should be allowed</a:t>
             </a:r>
           </a:p>
           <a:p>
             <a:pPr lvl="1"/>
             <a:r>
               <a:rPr lang="en-US" dirty="0" smtClean="0"/>
-              <a:t>We assume the attacker has FULL knowledge of the target, potentially including source code, and of course the information in the TD</a:t>
+              <a:t>Accessed without proper authentication should be denied</a:t>
             </a:r>
           </a:p>
           <a:p>
             <a:pPr lvl="1"/>
             <a:r>
               <a:rPr lang="en-US" dirty="0" smtClean="0"/>
-              <a:t>Knowing how or whether a vulnerability is exploitable is important to testing only to prioritize which vulnerabilities should be fixed first (since we are not actually trying to break into the system)</a:t>
-            </a:r>
-          </a:p>
-          <a:p>
-            <a:pPr lvl="1"/>
+              <a:t>Correct encryption and authentication mechanisms should be used</a:t>
+            </a:r>
             <a:endParaRPr lang="en-US" dirty="0"/>
           </a:p>
         </p:txBody>
@@ -4641,7 +4713,7 @@
     </p:spTree>
     <p:extLst>
       <p:ext uri="{BB962C8B-B14F-4D97-AF65-F5344CB8AC3E}">
-        <p14:creationId xmlns:p14="http://schemas.microsoft.com/office/powerpoint/2010/main" val="1334661760"/>
+        <p14:creationId xmlns:p14="http://schemas.microsoft.com/office/powerpoint/2010/main" val="4198188698"/>
       </p:ext>
     </p:extLst>
   </p:cSld>
@@ -4685,7 +4757,7 @@
           <a:p>
             <a:r>
               <a:rPr lang="en-US" dirty="0" smtClean="0"/>
-              <a:t>Discovering Vulnerabilities (1)</a:t>
+              <a:t>Adversarial Security Testing</a:t>
             </a:r>
             <a:endParaRPr lang="en-US" dirty="0"/>
           </a:p>
@@ -4703,8 +4775,8 @@
         </p:nvSpPr>
         <p:spPr>
           <a:xfrm>
-            <a:off x="838200" y="1548143"/>
-            <a:ext cx="10515600" cy="4628820"/>
+            <a:off x="838200" y="1439501"/>
+            <a:ext cx="10515600" cy="4737462"/>
           </a:xfrm>
         </p:spPr>
         <p:txBody>
@@ -4715,77 +4787,95 @@
               <a:buNone/>
             </a:pPr>
             <a:r>
-              <a:rPr lang="en-US" b="1" dirty="0" smtClean="0"/>
-              <a:t>Static Code Analysis</a:t>
+              <a:rPr lang="en-US" b="1" i="1" dirty="0" smtClean="0"/>
+              <a:t>Mimics what an attacker would try to do</a:t>
             </a:r>
           </a:p>
           <a:p>
             <a:pPr lvl="1"/>
             <a:r>
               <a:rPr lang="en-US" dirty="0" smtClean="0"/>
-              <a:t>Tools with access to source code can find coding practices likely to lead to vulnerabilities, such as missing boundary checks on arrays accesses, lack of input validation, etc.</a:t>
-            </a:r>
-          </a:p>
-          <a:p>
-            <a:pPr lvl="2"/>
-            <a:r>
-              <a:rPr lang="en-US" dirty="0" smtClean="0"/>
-              <a:t>Example tools: Klocwork, </a:t>
+              <a:t>We can re-use tools intended for attacking web services, although we should extend these with tools for IoT protocols (</a:t>
             </a:r>
             <a:r>
               <a:rPr lang="en-US" dirty="0" err="1" smtClean="0"/>
-              <a:t>Coverity</a:t>
-            </a:r>
-            <a:r>
-              <a:rPr lang="en-US" dirty="0" smtClean="0"/>
-              <a:t>, </a:t>
+              <a:t>CoAP</a:t>
+            </a:r>
+            <a:r>
+              <a:rPr lang="en-US" dirty="0" smtClean="0"/>
+              <a:t>, MQTT, </a:t>
             </a:r>
             <a:r>
               <a:rPr lang="en-US" dirty="0" err="1" smtClean="0"/>
-              <a:t>Checkmarx</a:t>
-            </a:r>
-            <a:r>
-              <a:rPr lang="en-US" dirty="0" smtClean="0"/>
-              <a:t>.</a:t>
+              <a:t>etc</a:t>
+            </a:r>
+            <a:r>
+              <a:rPr lang="en-US" dirty="0" smtClean="0"/>
+              <a:t>).</a:t>
+            </a:r>
+          </a:p>
+          <a:p>
+            <a:r>
+              <a:rPr lang="en-US" dirty="0" smtClean="0"/>
+              <a:t>Three stages:</a:t>
+            </a:r>
+          </a:p>
+          <a:p>
+            <a:pPr marL="971550" lvl="1" indent="-514350">
+              <a:buFont typeface="+mj-lt"/>
+              <a:buAutoNum type="arabicPeriod"/>
+            </a:pPr>
+            <a:r>
+              <a:rPr lang="en-US" dirty="0" smtClean="0"/>
+              <a:t>Information gathering</a:t>
+            </a:r>
+          </a:p>
+          <a:p>
+            <a:pPr marL="971550" lvl="1" indent="-514350">
+              <a:buFont typeface="+mj-lt"/>
+              <a:buAutoNum type="arabicPeriod"/>
+            </a:pPr>
+            <a:r>
+              <a:rPr lang="en-US" dirty="0" smtClean="0"/>
+              <a:t>Vulnerability discovery</a:t>
+            </a:r>
+          </a:p>
+          <a:p>
+            <a:pPr marL="971550" lvl="1" indent="-514350">
+              <a:buFont typeface="+mj-lt"/>
+              <a:buAutoNum type="arabicPeriod"/>
+            </a:pPr>
+            <a:r>
+              <a:rPr lang="en-US" dirty="0" smtClean="0"/>
+              <a:t>Exploitation</a:t>
+            </a:r>
+          </a:p>
+          <a:p>
+            <a:r>
+              <a:rPr lang="en-US" dirty="0" smtClean="0"/>
+              <a:t>Adversarial testing focuses on </a:t>
+            </a:r>
+            <a:r>
+              <a:rPr lang="en-US" i="1" dirty="0" smtClean="0"/>
+              <a:t>Vulnerability Discovery</a:t>
             </a:r>
           </a:p>
           <a:p>
             <a:pPr lvl="1"/>
             <a:r>
               <a:rPr lang="en-US" dirty="0" smtClean="0"/>
-              <a:t>With access to the binary or library/package list, known vulnerabilities in any libraries used can be checked.</a:t>
-            </a:r>
-          </a:p>
-          <a:p>
-            <a:pPr lvl="2"/>
-            <a:r>
-              <a:rPr lang="en-US" dirty="0" smtClean="0"/>
-              <a:t>Example tools: </a:t>
-            </a:r>
-            <a:r>
-              <a:rPr lang="en-US" dirty="0" err="1" smtClean="0"/>
-              <a:t>Protecode</a:t>
-            </a:r>
-            <a:r>
-              <a:rPr lang="en-US" dirty="0" smtClean="0"/>
-              <a:t>, OWASP's Dependency-Check, </a:t>
-            </a:r>
-            <a:r>
-              <a:rPr lang="en-US" dirty="0" err="1" smtClean="0"/>
-              <a:t>Snyk</a:t>
-            </a:r>
-            <a:r>
-              <a:rPr lang="en-US" dirty="0" smtClean="0"/>
-              <a:t>, </a:t>
-            </a:r>
-            <a:r>
-              <a:rPr lang="en-US" dirty="0" err="1" smtClean="0"/>
-              <a:t>npm</a:t>
-            </a:r>
-            <a:r>
-              <a:rPr lang="en-US" dirty="0" smtClean="0"/>
-              <a:t> audit.</a:t>
-            </a:r>
+              <a:t>We assume the attacker has FULL knowledge of the target, potentially including source code, and of course the information in the TD</a:t>
+            </a:r>
+          </a:p>
+          <a:p>
+            <a:pPr lvl="1"/>
+            <a:r>
+              <a:rPr lang="en-US" dirty="0" smtClean="0"/>
+              <a:t>Knowing how or whether a vulnerability is exploitable is important to testing only to prioritize which vulnerabilities should be fixed first (since we are not actually trying to break into the system)</a:t>
+            </a:r>
+          </a:p>
+          <a:p>
+            <a:pPr lvl="1"/>
             <a:endParaRPr lang="en-US" dirty="0"/>
           </a:p>
         </p:txBody>
@@ -4793,7 +4883,7 @@
     </p:spTree>
     <p:extLst>
       <p:ext uri="{BB962C8B-B14F-4D97-AF65-F5344CB8AC3E}">
-        <p14:creationId xmlns:p14="http://schemas.microsoft.com/office/powerpoint/2010/main" val="4005812234"/>
+        <p14:creationId xmlns:p14="http://schemas.microsoft.com/office/powerpoint/2010/main" val="1334661760"/>
       </p:ext>
     </p:extLst>
   </p:cSld>
@@ -4837,7 +4927,7 @@
           <a:p>
             <a:r>
               <a:rPr lang="en-US" dirty="0" smtClean="0"/>
-              <a:t>Discovering Vulnerabilities (2)</a:t>
+              <a:t>Discovering Vulnerabilities (1)</a:t>
             </a:r>
             <a:endParaRPr lang="en-US" dirty="0"/>
           </a:p>
@@ -4868,138 +4958,84 @@
             </a:pPr>
             <a:r>
               <a:rPr lang="en-US" b="1" dirty="0" smtClean="0"/>
-              <a:t>Runtime/Dynamic Code Analysis</a:t>
+              <a:t>Static Code Analysis</a:t>
             </a:r>
           </a:p>
           <a:p>
             <a:pPr lvl="1"/>
             <a:r>
               <a:rPr lang="en-US" dirty="0" smtClean="0"/>
-              <a:t>Does not require access to source, just external (network) interfaces</a:t>
-            </a:r>
-          </a:p>
-          <a:p>
-            <a:r>
-              <a:rPr lang="en-US" b="1" dirty="0" smtClean="0"/>
-              <a:t>Fuzz Testing: </a:t>
-            </a:r>
-            <a:r>
-              <a:rPr lang="en-US" dirty="0" smtClean="0"/>
-              <a:t>Send randomly-generated inputs to interfaces, designed to bypass early checks (</a:t>
+              <a:t>Tools with access to source code can find coding practices likely to lead to vulnerabilities, such as missing boundary checks on arrays accesses, lack of input validation, etc.</a:t>
+            </a:r>
+          </a:p>
+          <a:p>
+            <a:pPr lvl="2"/>
+            <a:r>
+              <a:rPr lang="en-US" dirty="0" smtClean="0"/>
+              <a:t>Example tools: Klocwork, </a:t>
             </a:r>
             <a:r>
               <a:rPr lang="en-US" dirty="0" err="1" smtClean="0"/>
-              <a:t>eg</a:t>
-            </a:r>
-            <a:r>
-              <a:rPr lang="en-US" dirty="0" smtClean="0"/>
-              <a:t> for protocol, JSON syntax checks, etc.) but trigger errors (</a:t>
+              <a:t>Coverity</a:t>
+            </a:r>
+            <a:r>
+              <a:rPr lang="en-US" dirty="0" smtClean="0"/>
+              <a:t>, </a:t>
             </a:r>
             <a:r>
               <a:rPr lang="en-US" dirty="0" err="1" smtClean="0"/>
-              <a:t>eg</a:t>
-            </a:r>
-            <a:r>
-              <a:rPr lang="en-US" dirty="0" smtClean="0"/>
-              <a:t> buffer overruns, unexpected parameters, </a:t>
+              <a:t>Checkmarx</a:t>
+            </a:r>
+            <a:r>
+              <a:rPr lang="en-US" dirty="0" smtClean="0"/>
+              <a:t>.</a:t>
+            </a:r>
+          </a:p>
+          <a:p>
+            <a:pPr lvl="1"/>
+            <a:r>
+              <a:rPr lang="en-US" dirty="0" smtClean="0"/>
+              <a:t>With access to the binary or library/package list, known vulnerabilities in any libraries used can be checked.</a:t>
+            </a:r>
+          </a:p>
+          <a:p>
+            <a:pPr lvl="2"/>
+            <a:r>
+              <a:rPr lang="en-US" dirty="0" smtClean="0"/>
+              <a:t>Example tools: </a:t>
             </a:r>
             <a:r>
               <a:rPr lang="en-US" dirty="0" err="1" smtClean="0"/>
-              <a:t>etc</a:t>
-            </a:r>
-            <a:r>
-              <a:rPr lang="en-US" dirty="0" smtClean="0"/>
-              <a:t>) in backend code.</a:t>
-            </a:r>
-          </a:p>
-          <a:p>
-            <a:pPr lvl="1"/>
-            <a:r>
-              <a:rPr lang="en-US" dirty="0" smtClean="0"/>
-              <a:t>Example HTTP tools: Burp Suite, </a:t>
+              <a:t>Protecode</a:t>
+            </a:r>
+            <a:r>
+              <a:rPr lang="en-US" dirty="0" smtClean="0"/>
+              <a:t>, OWASP's Dependency-Check, </a:t>
             </a:r>
             <a:r>
               <a:rPr lang="en-US" dirty="0" err="1" smtClean="0"/>
-              <a:t>Wfuzz</a:t>
-            </a:r>
-            <a:r>
-              <a:rPr lang="en-US" dirty="0" smtClean="0"/>
-              <a:t>, Wapiti. </a:t>
-            </a:r>
-          </a:p>
-          <a:p>
-            <a:pPr lvl="1"/>
-            <a:r>
-              <a:rPr lang="en-US" dirty="0" smtClean="0"/>
-              <a:t>Example </a:t>
+              <a:t>Snyk</a:t>
+            </a:r>
+            <a:r>
+              <a:rPr lang="en-US" dirty="0" smtClean="0"/>
+              <a:t>, </a:t>
             </a:r>
             <a:r>
               <a:rPr lang="en-US" dirty="0" err="1" smtClean="0"/>
-              <a:t>CoAP</a:t>
-            </a:r>
-            <a:r>
-              <a:rPr lang="en-US" dirty="0" smtClean="0"/>
-              <a:t> tools: </a:t>
-            </a:r>
-            <a:r>
-              <a:rPr lang="en-US" dirty="0" err="1" smtClean="0"/>
-              <a:t>FuzzCoAP</a:t>
-            </a:r>
-            <a:r>
-              <a:rPr lang="en-US" dirty="0"/>
-              <a:t>,</a:t>
-            </a:r>
-            <a:r>
-              <a:rPr lang="en-US" dirty="0" smtClean="0"/>
-              <a:t> </a:t>
-            </a:r>
-            <a:r>
-              <a:rPr lang="en-US" dirty="0" err="1" smtClean="0"/>
-              <a:t>CoAP</a:t>
-            </a:r>
-            <a:r>
-              <a:rPr lang="en-US" dirty="0" smtClean="0"/>
-              <a:t> Peach Pit.</a:t>
-            </a:r>
-          </a:p>
-          <a:p>
-            <a:pPr lvl="1"/>
-            <a:r>
-              <a:rPr lang="en-US" dirty="0" smtClean="0"/>
-              <a:t>Example MQTT tools: ?</a:t>
-            </a:r>
-          </a:p>
-          <a:p>
-            <a:r>
-              <a:rPr lang="en-US" b="1" dirty="0" smtClean="0"/>
-              <a:t>Protocol Analysis:</a:t>
-            </a:r>
-            <a:r>
-              <a:rPr lang="en-US" dirty="0" smtClean="0"/>
-              <a:t> Look at data on wire, look for misconfigured headers, etc.  Often manual, but some scripted tools available.</a:t>
-            </a:r>
-          </a:p>
-          <a:p>
-            <a:pPr lvl="1"/>
-            <a:r>
-              <a:rPr lang="en-US" dirty="0" smtClean="0"/>
-              <a:t>Example tools: Wireshark, </a:t>
-            </a:r>
-            <a:r>
-              <a:rPr lang="en-US" dirty="0" err="1" smtClean="0"/>
-              <a:t>tcpdump</a:t>
-            </a:r>
-            <a:r>
-              <a:rPr lang="en-US" dirty="0" smtClean="0"/>
-              <a:t>.</a:t>
-            </a:r>
+              <a:t>npm</a:t>
+            </a:r>
+            <a:r>
+              <a:rPr lang="en-US" dirty="0" smtClean="0"/>
+              <a:t> audit.</a:t>
+            </a:r>
+            <a:endParaRPr lang="en-US" dirty="0"/>
           </a:p>
         </p:txBody>
       </p:sp>
     </p:spTree>
     <p:extLst>
       <p:ext uri="{BB962C8B-B14F-4D97-AF65-F5344CB8AC3E}">
-        <p14:creationId xmlns:p14="http://schemas.microsoft.com/office/powerpoint/2010/main" val="705225996"/>
+        <p14:creationId xmlns:p14="http://schemas.microsoft.com/office/powerpoint/2010/main" val="4005812234"/>
       </p:ext>
     </p:extLst>
   </p:cSld>
@@ -5043,7 +5079,7 @@
           <a:p>
             <a:r>
               <a:rPr lang="en-US" dirty="0" smtClean="0"/>
-              <a:t>Discovering Vulnerabilities (3)</a:t>
+              <a:t>Discovering Vulnerabilities (2)</a:t>
             </a:r>
             <a:endParaRPr lang="en-US" dirty="0"/>
           </a:p>
@@ -5087,11 +5123,102 @@
           <a:p>
             <a:r>
               <a:rPr lang="en-US" b="1" dirty="0" smtClean="0"/>
+              <a:t>Fuzz Testing: </a:t>
+            </a:r>
+            <a:r>
+              <a:rPr lang="en-US" dirty="0" smtClean="0"/>
+              <a:t>Send randomly-generated inputs to interfaces, designed to bypass early checks (</a:t>
+            </a:r>
+            <a:r>
+              <a:rPr lang="en-US" dirty="0" err="1" smtClean="0"/>
+              <a:t>eg</a:t>
+            </a:r>
+            <a:r>
+              <a:rPr lang="en-US" dirty="0" smtClean="0"/>
+              <a:t> for protocol, JSON syntax checks, etc.) but trigger errors (</a:t>
+            </a:r>
+            <a:r>
+              <a:rPr lang="en-US" dirty="0" err="1" smtClean="0"/>
+              <a:t>eg</a:t>
+            </a:r>
+            <a:r>
+              <a:rPr lang="en-US" dirty="0" smtClean="0"/>
+              <a:t> buffer overruns, unexpected parameters, </a:t>
+            </a:r>
+            <a:r>
+              <a:rPr lang="en-US" dirty="0" err="1" smtClean="0"/>
+              <a:t>etc</a:t>
+            </a:r>
+            <a:r>
+              <a:rPr lang="en-US" dirty="0" smtClean="0"/>
+              <a:t>) in backend code.</a:t>
+            </a:r>
+          </a:p>
+          <a:p>
+            <a:pPr lvl="1"/>
+            <a:r>
+              <a:rPr lang="en-US" dirty="0" smtClean="0"/>
+              <a:t>Example HTTP tools: Burp Suite, </a:t>
+            </a:r>
+            <a:r>
+              <a:rPr lang="en-US" dirty="0" err="1" smtClean="0"/>
+              <a:t>Wfuzz</a:t>
+            </a:r>
+            <a:r>
+              <a:rPr lang="en-US" dirty="0" smtClean="0"/>
+              <a:t>, Wapiti. </a:t>
+            </a:r>
+          </a:p>
+          <a:p>
+            <a:pPr lvl="1"/>
+            <a:r>
+              <a:rPr lang="en-US" dirty="0" smtClean="0"/>
+              <a:t>Example </a:t>
+            </a:r>
+            <a:r>
+              <a:rPr lang="en-US" dirty="0" err="1" smtClean="0"/>
+              <a:t>CoAP</a:t>
+            </a:r>
+            <a:r>
+              <a:rPr lang="en-US" dirty="0" smtClean="0"/>
+              <a:t> tools: </a:t>
+            </a:r>
+            <a:r>
+              <a:rPr lang="en-US" dirty="0" err="1" smtClean="0"/>
+              <a:t>FuzzCoAP</a:t>
+            </a:r>
+            <a:r>
+              <a:rPr lang="en-US" dirty="0"/>
+              <a:t>,</a:t>
+            </a:r>
+            <a:r>
+              <a:rPr lang="en-US" dirty="0" smtClean="0"/>
+              <a:t> </a:t>
+            </a:r>
+            <a:r>
+              <a:rPr lang="en-US" dirty="0" err="1" smtClean="0"/>
+              <a:t>CoAP</a:t>
+            </a:r>
+            <a:r>
+              <a:rPr lang="en-US" dirty="0" smtClean="0"/>
+              <a:t> Peach Pit.</a:t>
+            </a:r>
+          </a:p>
+          <a:p>
+            <a:pPr lvl="1"/>
+            <a:r>
+              <a:rPr lang="en-US" dirty="0" smtClean="0"/>
+              <a:t>Example MQTT tools: ?</a:t>
+            </a:r>
+          </a:p>
+          <a:p>
+            <a:r>
+              <a:rPr lang="en-US" b="1" dirty="0" smtClean="0"/>
               <a:t>Protocol Analysis:</a:t>
             </a:r>
             <a:r>
               <a:rPr lang="en-US" dirty="0" smtClean="0"/>
-              <a:t> Look at data on wire, looking for misconfigured headers, insecure encryption options or combination of options, etc.  Often manual, but some scripted tools available.</a:t>
+              <a:t> Look at data on wire, look for misconfigured headers, etc.  Often manual, but some scripted tools available.</a:t>
             </a:r>
           </a:p>
           <a:p>
@@ -5114,7 +5241,7 @@
     </p:spTree>
     <p:extLst>
       <p:ext uri="{BB962C8B-B14F-4D97-AF65-F5344CB8AC3E}">
-        <p14:creationId xmlns:p14="http://schemas.microsoft.com/office/powerpoint/2010/main" val="3823781286"/>
+        <p14:creationId xmlns:p14="http://schemas.microsoft.com/office/powerpoint/2010/main" val="705225996"/>
       </p:ext>
     </p:extLst>
   </p:cSld>
@@ -5158,7 +5285,7 @@
           <a:p>
             <a:r>
               <a:rPr lang="en-US" dirty="0" smtClean="0"/>
-              <a:t>Discovering Vulnerabilities (4)</a:t>
+              <a:t>Discovering Vulnerabilities (3)</a:t>
             </a:r>
             <a:endParaRPr lang="en-US" dirty="0"/>
           </a:p>
@@ -5202,26 +5329,26 @@
           <a:p>
             <a:r>
               <a:rPr lang="en-US" b="1" dirty="0" smtClean="0"/>
-              <a:t>Vulnerability Scanner:</a:t>
-            </a:r>
-            <a:r>
-              <a:rPr lang="en-US" dirty="0" smtClean="0"/>
-              <a:t> Attempt to run a known set of exploits or vulnerability trigger inputs against the target and report the outcomes.</a:t>
+              <a:t>Protocol Analysis:</a:t>
+            </a:r>
+            <a:r>
+              <a:rPr lang="en-US" dirty="0" smtClean="0"/>
+              <a:t> Look at data on wire, looking for misconfigured headers, insecure encryption options or combination of options, etc.  Often manual, but some scripted tools available.</a:t>
             </a:r>
           </a:p>
           <a:p>
             <a:pPr lvl="1"/>
             <a:r>
               <a:rPr lang="en-US" dirty="0" smtClean="0"/>
-              <a:t>Example tools: w3af, Burp vulnerability scanner, </a:t>
+              <a:t>Example tools: Wireshark, </a:t>
             </a:r>
             <a:r>
               <a:rPr lang="en-US" dirty="0" err="1" smtClean="0"/>
-              <a:t>Nikto</a:t>
-            </a:r>
-            <a:r>
-              <a:rPr lang="en-US" dirty="0" smtClean="0"/>
-              <a:t>, WATOBO.</a:t>
+              <a:t>tcpdump</a:t>
+            </a:r>
+            <a:r>
+              <a:rPr lang="en-US" dirty="0" smtClean="0"/>
+              <a:t>.</a:t>
             </a:r>
           </a:p>
         </p:txBody>
@@ -5229,7 +5356,7 @@
     </p:spTree>
     <p:extLst>
       <p:ext uri="{BB962C8B-B14F-4D97-AF65-F5344CB8AC3E}">
-        <p14:creationId xmlns:p14="http://schemas.microsoft.com/office/powerpoint/2010/main" val="4058953562"/>
+        <p14:creationId xmlns:p14="http://schemas.microsoft.com/office/powerpoint/2010/main" val="3823781286"/>
       </p:ext>
     </p:extLst>
   </p:cSld>
